--- a/Phase 1/Slides.pptx
+++ b/Phase 1/Slides.pptx
@@ -21,21 +21,22 @@
     <p:sldId id="266" r:id="rId15"/>
     <p:sldId id="267" r:id="rId16"/>
     <p:sldId id="268" r:id="rId17"/>
+    <p:sldId id="269" r:id="rId18"/>
   </p:sldIdLst>
   <p:sldSz cy="6858000" cx="9144000"/>
   <p:notesSz cx="6858000" cy="9144000"/>
   <p:embeddedFontLst>
     <p:embeddedFont>
       <p:font typeface="Roboto Slab"/>
-      <p:regular r:id="rId18"/>
-      <p:bold r:id="rId19"/>
+      <p:regular r:id="rId19"/>
+      <p:bold r:id="rId20"/>
     </p:embeddedFont>
     <p:embeddedFont>
       <p:font typeface="Source Sans Pro"/>
-      <p:regular r:id="rId20"/>
-      <p:bold r:id="rId21"/>
-      <p:italic r:id="rId22"/>
-      <p:boldItalic r:id="rId23"/>
+      <p:regular r:id="rId21"/>
+      <p:bold r:id="rId22"/>
+      <p:italic r:id="rId23"/>
+      <p:boldItalic r:id="rId24"/>
     </p:embeddedFont>
   </p:embeddedFontLst>
   <p:defaultTextStyle>
@@ -894,7 +895,7 @@
   <p:cSld>
     <p:spTree>
       <p:nvGrpSpPr>
-        <p:cNvPr id="157" name="Shape 157"/>
+        <p:cNvPr id="163" name="Shape 163"/>
         <p:cNvGrpSpPr/>
         <p:nvPr/>
       </p:nvGrpSpPr>
@@ -908,7 +909,7 @@
       </p:grpSpPr>
       <p:sp>
         <p:nvSpPr>
-          <p:cNvPr id="158" name="Shape 158"/>
+          <p:cNvPr id="164" name="Shape 164"/>
           <p:cNvSpPr/>
           <p:nvPr>
             <p:ph idx="2" type="sldImg"/>
@@ -942,7 +943,7 @@
       </p:sp>
       <p:sp>
         <p:nvSpPr>
-          <p:cNvPr id="159" name="Shape 159"/>
+          <p:cNvPr id="165" name="Shape 165"/>
           <p:cNvSpPr txBox="1"/>
           <p:nvPr>
             <p:ph idx="1" type="body"/>
@@ -992,7 +993,7 @@
   <p:cSld>
     <p:spTree>
       <p:nvGrpSpPr>
-        <p:cNvPr id="164" name="Shape 164"/>
+        <p:cNvPr id="170" name="Shape 170"/>
         <p:cNvGrpSpPr/>
         <p:nvPr/>
       </p:nvGrpSpPr>
@@ -1006,7 +1007,7 @@
       </p:grpSpPr>
       <p:sp>
         <p:nvSpPr>
-          <p:cNvPr id="165" name="Shape 165"/>
+          <p:cNvPr id="171" name="Shape 171"/>
           <p:cNvSpPr/>
           <p:nvPr>
             <p:ph idx="2" type="sldImg"/>
@@ -1040,7 +1041,7 @@
       </p:sp>
       <p:sp>
         <p:nvSpPr>
-          <p:cNvPr id="166" name="Shape 166"/>
+          <p:cNvPr id="172" name="Shape 172"/>
           <p:cNvSpPr txBox="1"/>
           <p:nvPr>
             <p:ph idx="1" type="body"/>
@@ -1090,7 +1091,7 @@
   <p:cSld>
     <p:spTree>
       <p:nvGrpSpPr>
-        <p:cNvPr id="171" name="Shape 171"/>
+        <p:cNvPr id="177" name="Shape 177"/>
         <p:cNvGrpSpPr/>
         <p:nvPr/>
       </p:nvGrpSpPr>
@@ -1104,7 +1105,7 @@
       </p:grpSpPr>
       <p:sp>
         <p:nvSpPr>
-          <p:cNvPr id="172" name="Shape 172"/>
+          <p:cNvPr id="178" name="Shape 178"/>
           <p:cNvSpPr/>
           <p:nvPr>
             <p:ph idx="2" type="sldImg"/>
@@ -1138,7 +1139,105 @@
       </p:sp>
       <p:sp>
         <p:nvSpPr>
-          <p:cNvPr id="173" name="Shape 173"/>
+          <p:cNvPr id="179" name="Shape 179"/>
+          <p:cNvSpPr txBox="1"/>
+          <p:nvPr>
+            <p:ph idx="1" type="body"/>
+          </p:nvPr>
+        </p:nvSpPr>
+        <p:spPr>
+          <a:xfrm>
+            <a:off x="685800" y="4343400"/>
+            <a:ext cx="5486400" cy="4114800"/>
+          </a:xfrm>
+          <a:prstGeom prst="rect">
+            <a:avLst/>
+          </a:prstGeom>
+        </p:spPr>
+        <p:txBody>
+          <a:bodyPr anchorCtr="0" anchor="t" bIns="91425" lIns="91425" spcFirstLastPara="1" rIns="91425" wrap="square" tIns="91425">
+            <a:noAutofit/>
+          </a:bodyPr>
+          <a:lstStyle/>
+          <a:p>
+            <a:pPr indent="0" lvl="0" marL="0" rtl="0">
+              <a:spcBef>
+                <a:spcPts val="0"/>
+              </a:spcBef>
+              <a:spcAft>
+                <a:spcPts val="0"/>
+              </a:spcAft>
+              <a:buNone/>
+            </a:pPr>
+            <a:r>
+              <a:t/>
+            </a:r>
+            <a:endParaRPr/>
+          </a:p>
+        </p:txBody>
+      </p:sp>
+    </p:spTree>
+  </p:cSld>
+  <p:clrMapOvr>
+    <a:masterClrMapping/>
+  </p:clrMapOvr>
+</p:notes>
+</file>
+
+<file path=ppt/notesSlides/notesSlide14.xml><?xml version="1.0" encoding="utf-8"?>
+<p:notes xmlns:a="http://schemas.openxmlformats.org/drawingml/2006/main" xmlns:r="http://schemas.openxmlformats.org/officeDocument/2006/relationships" xmlns:mc="http://schemas.openxmlformats.org/markup-compatibility/2006" xmlns:mv="urn:schemas-microsoft-com:mac:vml" xmlns:p="http://schemas.openxmlformats.org/presentationml/2006/main" xmlns:c="http://schemas.openxmlformats.org/drawingml/2006/chart" xmlns:dgm="http://schemas.openxmlformats.org/drawingml/2006/diagram" xmlns:o="urn:schemas-microsoft-com:office:office" xmlns:v="urn:schemas-microsoft-com:vml" xmlns:pvml="urn:schemas-microsoft-com:office:powerpoint" xmlns:com="http://schemas.openxmlformats.org/drawingml/2006/compatibility" xmlns:p14="http://schemas.microsoft.com/office/powerpoint/2010/main" xmlns:p15="http://schemas.microsoft.com/office/powerpoint/2012/main" showMasterPhAnim="0" showMasterSp="0">
+  <p:cSld>
+    <p:spTree>
+      <p:nvGrpSpPr>
+        <p:cNvPr id="184" name="Shape 184"/>
+        <p:cNvGrpSpPr/>
+        <p:nvPr/>
+      </p:nvGrpSpPr>
+      <p:grpSpPr>
+        <a:xfrm>
+          <a:off x="0" y="0"/>
+          <a:ext cx="0" cy="0"/>
+          <a:chOff x="0" y="0"/>
+          <a:chExt cx="0" cy="0"/>
+        </a:xfrm>
+      </p:grpSpPr>
+      <p:sp>
+        <p:nvSpPr>
+          <p:cNvPr id="185" name="Shape 185"/>
+          <p:cNvSpPr/>
+          <p:nvPr>
+            <p:ph idx="2" type="sldImg"/>
+          </p:nvPr>
+        </p:nvSpPr>
+        <p:spPr>
+          <a:xfrm>
+            <a:off x="1143225" y="685800"/>
+            <a:ext cx="4572300" cy="3429000"/>
+          </a:xfrm>
+          <a:custGeom>
+            <a:pathLst>
+              <a:path extrusionOk="0" h="120000" w="120000">
+                <a:moveTo>
+                  <a:pt x="0" y="0"/>
+                </a:moveTo>
+                <a:lnTo>
+                  <a:pt x="120000" y="0"/>
+                </a:lnTo>
+                <a:lnTo>
+                  <a:pt x="120000" y="120000"/>
+                </a:lnTo>
+                <a:lnTo>
+                  <a:pt x="0" y="120000"/>
+                </a:lnTo>
+                <a:close/>
+              </a:path>
+            </a:pathLst>
+          </a:custGeom>
+        </p:spPr>
+      </p:sp>
+      <p:sp>
+        <p:nvSpPr>
+          <p:cNvPr id="186" name="Shape 186"/>
           <p:cNvSpPr txBox="1"/>
           <p:nvPr>
             <p:ph idx="1" type="body"/>
@@ -7208,7 +7307,7 @@
           </a:bodyPr>
           <a:lstStyle/>
           <a:p>
-            <a:pPr indent="0" lvl="0" marL="0">
+            <a:pPr indent="0" lvl="0" marL="0" algn="ctr">
               <a:spcBef>
                 <a:spcPts val="0"/>
               </a:spcBef>
@@ -7219,7 +7318,7 @@
             </a:pPr>
             <a:r>
               <a:rPr lang="en"/>
-              <a:t>Lost and Found</a:t>
+              <a:t>Lost &amp; Found</a:t>
             </a:r>
             <a:endParaRPr/>
           </a:p>
@@ -7480,99 +7579,9 @@
           </a:p>
         </p:txBody>
       </p:sp>
-      <p:sp>
-        <p:nvSpPr>
-          <p:cNvPr id="155" name="Shape 155"/>
-          <p:cNvSpPr txBox="1"/>
-          <p:nvPr>
-            <p:ph idx="4294967295" type="body"/>
-          </p:nvPr>
-        </p:nvSpPr>
-        <p:spPr>
-          <a:xfrm>
-            <a:off x="786150" y="1447142"/>
-            <a:ext cx="7571700" cy="4764900"/>
-          </a:xfrm>
-          <a:prstGeom prst="rect">
-            <a:avLst/>
-          </a:prstGeom>
-        </p:spPr>
-        <p:txBody>
-          <a:bodyPr anchorCtr="0" anchor="t" bIns="91425" lIns="91425" spcFirstLastPara="1" rIns="91425" wrap="square" tIns="91425">
-            <a:noAutofit/>
-          </a:bodyPr>
-          <a:lstStyle/>
-          <a:p>
-            <a:pPr indent="-342900" lvl="0" marL="457200" rtl="0">
-              <a:spcBef>
-                <a:spcPts val="600"/>
-              </a:spcBef>
-              <a:spcAft>
-                <a:spcPts val="0"/>
-              </a:spcAft>
-              <a:buSzPts val="1800"/>
-              <a:buChar char="◎"/>
-            </a:pPr>
-            <a:r>
-              <a:rPr lang="en" sz="1800"/>
-              <a:t>Development on Android (with Android Studio)</a:t>
-            </a:r>
-            <a:endParaRPr sz="1800"/>
-          </a:p>
-          <a:p>
-            <a:pPr indent="-342900" lvl="0" marL="457200" rtl="0">
-              <a:spcBef>
-                <a:spcPts val="0"/>
-              </a:spcBef>
-              <a:spcAft>
-                <a:spcPts val="0"/>
-              </a:spcAft>
-              <a:buSzPts val="1800"/>
-              <a:buChar char="◎"/>
-            </a:pPr>
-            <a:r>
-              <a:rPr lang="en" sz="1800"/>
-              <a:t>MatchMore API and probably Google Maps API</a:t>
-            </a:r>
-            <a:endParaRPr sz="1800"/>
-          </a:p>
-          <a:p>
-            <a:pPr indent="-342900" lvl="0" marL="457200" rtl="0">
-              <a:spcBef>
-                <a:spcPts val="0"/>
-              </a:spcBef>
-              <a:spcAft>
-                <a:spcPts val="0"/>
-              </a:spcAft>
-              <a:buSzPts val="1800"/>
-              <a:buChar char="◎"/>
-            </a:pPr>
-            <a:r>
-              <a:rPr lang="en" sz="1800"/>
-              <a:t>Backend with GlassFish 5</a:t>
-            </a:r>
-            <a:endParaRPr sz="1800"/>
-          </a:p>
-          <a:p>
-            <a:pPr indent="0" lvl="0" marL="0" rtl="0">
-              <a:spcBef>
-                <a:spcPts val="600"/>
-              </a:spcBef>
-              <a:spcAft>
-                <a:spcPts val="0"/>
-              </a:spcAft>
-              <a:buNone/>
-            </a:pPr>
-            <a:r>
-              <a:t/>
-            </a:r>
-            <a:endParaRPr/>
-          </a:p>
-        </p:txBody>
-      </p:sp>
       <p:pic>
         <p:nvPicPr>
-          <p:cNvPr id="156" name="Shape 156"/>
+          <p:cNvPr id="155" name="Shape 155"/>
           <p:cNvPicPr preferRelativeResize="0"/>
           <p:nvPr/>
         </p:nvPicPr>
@@ -7586,8 +7595,8 @@
         </p:blipFill>
         <p:spPr>
           <a:xfrm>
-            <a:off x="1850287" y="2821325"/>
-            <a:ext cx="5443426" cy="3117925"/>
+            <a:off x="469275" y="1724043"/>
+            <a:ext cx="8205450" cy="2543432"/>
           </a:xfrm>
           <a:prstGeom prst="rect">
             <a:avLst/>
@@ -7598,6 +7607,283 @@
           </a:ln>
         </p:spPr>
       </p:pic>
+      <p:sp>
+        <p:nvSpPr>
+          <p:cNvPr id="156" name="Shape 156"/>
+          <p:cNvSpPr txBox="1"/>
+          <p:nvPr/>
+        </p:nvSpPr>
+        <p:spPr>
+          <a:xfrm>
+            <a:off x="5873875" y="5737850"/>
+            <a:ext cx="3079200" cy="588000"/>
+          </a:xfrm>
+          <a:prstGeom prst="rect">
+            <a:avLst/>
+          </a:prstGeom>
+          <a:noFill/>
+          <a:ln>
+            <a:noFill/>
+          </a:ln>
+        </p:spPr>
+        <p:txBody>
+          <a:bodyPr anchorCtr="0" anchor="t" bIns="91425" lIns="91425" spcFirstLastPara="1" rIns="91425" wrap="square" tIns="91425">
+            <a:noAutofit/>
+          </a:bodyPr>
+          <a:lstStyle/>
+          <a:p>
+            <a:pPr indent="0" lvl="0" marL="0" rtl="0" algn="r">
+              <a:spcBef>
+                <a:spcPts val="0"/>
+              </a:spcBef>
+              <a:spcAft>
+                <a:spcPts val="0"/>
+              </a:spcAft>
+              <a:buNone/>
+            </a:pPr>
+            <a:r>
+              <a:rPr lang="en" sz="1000">
+                <a:latin typeface="Roboto Slab"/>
+                <a:ea typeface="Roboto Slab"/>
+                <a:cs typeface="Roboto Slab"/>
+                <a:sym typeface="Roboto Slab"/>
+              </a:rPr>
+              <a:t>Made with ArchiMate Modelling Tool</a:t>
+            </a:r>
+            <a:endParaRPr sz="1000"/>
+          </a:p>
+        </p:txBody>
+      </p:sp>
+      <p:pic>
+        <p:nvPicPr>
+          <p:cNvPr id="157" name="Shape 157"/>
+          <p:cNvPicPr preferRelativeResize="0"/>
+          <p:nvPr/>
+        </p:nvPicPr>
+        <p:blipFill>
+          <a:blip r:embed="rId4">
+            <a:alphaModFix/>
+          </a:blip>
+          <a:stretch>
+            <a:fillRect/>
+          </a:stretch>
+        </p:blipFill>
+        <p:spPr>
+          <a:xfrm rot="-5400000">
+            <a:off x="1152187" y="3852688"/>
+            <a:ext cx="304176" cy="2042849"/>
+          </a:xfrm>
+          <a:prstGeom prst="rect">
+            <a:avLst/>
+          </a:prstGeom>
+          <a:noFill/>
+          <a:ln>
+            <a:noFill/>
+          </a:ln>
+        </p:spPr>
+      </p:pic>
+      <p:pic>
+        <p:nvPicPr>
+          <p:cNvPr id="158" name="Shape 158"/>
+          <p:cNvPicPr preferRelativeResize="0"/>
+          <p:nvPr/>
+        </p:nvPicPr>
+        <p:blipFill>
+          <a:blip r:embed="rId4">
+            <a:alphaModFix/>
+          </a:blip>
+          <a:stretch>
+            <a:fillRect/>
+          </a:stretch>
+        </p:blipFill>
+        <p:spPr>
+          <a:xfrm rot="-5400000">
+            <a:off x="3593637" y="3852688"/>
+            <a:ext cx="304176" cy="2042849"/>
+          </a:xfrm>
+          <a:prstGeom prst="rect">
+            <a:avLst/>
+          </a:prstGeom>
+          <a:noFill/>
+          <a:ln>
+            <a:noFill/>
+          </a:ln>
+        </p:spPr>
+      </p:pic>
+      <p:pic>
+        <p:nvPicPr>
+          <p:cNvPr id="159" name="Shape 159"/>
+          <p:cNvPicPr preferRelativeResize="0"/>
+          <p:nvPr/>
+        </p:nvPicPr>
+        <p:blipFill>
+          <a:blip r:embed="rId4">
+            <a:alphaModFix/>
+          </a:blip>
+          <a:stretch>
+            <a:fillRect/>
+          </a:stretch>
+        </p:blipFill>
+        <p:spPr>
+          <a:xfrm rot="-5400000">
+            <a:off x="6807462" y="3043699"/>
+            <a:ext cx="304176" cy="3660826"/>
+          </a:xfrm>
+          <a:prstGeom prst="rect">
+            <a:avLst/>
+          </a:prstGeom>
+          <a:noFill/>
+          <a:ln>
+            <a:noFill/>
+          </a:ln>
+        </p:spPr>
+      </p:pic>
+      <p:sp>
+        <p:nvSpPr>
+          <p:cNvPr id="160" name="Shape 160"/>
+          <p:cNvSpPr txBox="1"/>
+          <p:nvPr/>
+        </p:nvSpPr>
+        <p:spPr>
+          <a:xfrm>
+            <a:off x="823675" y="5090825"/>
+            <a:ext cx="961200" cy="467100"/>
+          </a:xfrm>
+          <a:prstGeom prst="rect">
+            <a:avLst/>
+          </a:prstGeom>
+          <a:noFill/>
+          <a:ln>
+            <a:noFill/>
+          </a:ln>
+        </p:spPr>
+        <p:txBody>
+          <a:bodyPr anchorCtr="0" anchor="t" bIns="91425" lIns="91425" spcFirstLastPara="1" rIns="91425" wrap="square" tIns="91425">
+            <a:noAutofit/>
+          </a:bodyPr>
+          <a:lstStyle/>
+          <a:p>
+            <a:pPr indent="0" lvl="0" marL="0" algn="ctr">
+              <a:spcBef>
+                <a:spcPts val="0"/>
+              </a:spcBef>
+              <a:spcAft>
+                <a:spcPts val="0"/>
+              </a:spcAft>
+              <a:buClr>
+                <a:schemeClr val="dk1"/>
+              </a:buClr>
+              <a:buSzPts val="1100"/>
+              <a:buFont typeface="Arial"/>
+              <a:buNone/>
+            </a:pPr>
+            <a:r>
+              <a:rPr lang="en">
+                <a:latin typeface="Roboto Slab"/>
+                <a:ea typeface="Roboto Slab"/>
+                <a:cs typeface="Roboto Slab"/>
+                <a:sym typeface="Roboto Slab"/>
+              </a:rPr>
+              <a:t>Client</a:t>
+            </a:r>
+            <a:endParaRPr/>
+          </a:p>
+        </p:txBody>
+      </p:sp>
+      <p:sp>
+        <p:nvSpPr>
+          <p:cNvPr id="161" name="Shape 161"/>
+          <p:cNvSpPr txBox="1"/>
+          <p:nvPr/>
+        </p:nvSpPr>
+        <p:spPr>
+          <a:xfrm>
+            <a:off x="3265125" y="5090825"/>
+            <a:ext cx="961200" cy="467100"/>
+          </a:xfrm>
+          <a:prstGeom prst="rect">
+            <a:avLst/>
+          </a:prstGeom>
+          <a:noFill/>
+          <a:ln>
+            <a:noFill/>
+          </a:ln>
+        </p:spPr>
+        <p:txBody>
+          <a:bodyPr anchorCtr="0" anchor="t" bIns="91425" lIns="91425" spcFirstLastPara="1" rIns="91425" wrap="square" tIns="91425">
+            <a:noAutofit/>
+          </a:bodyPr>
+          <a:lstStyle/>
+          <a:p>
+            <a:pPr indent="0" lvl="0" marL="0" rtl="0" algn="ctr">
+              <a:spcBef>
+                <a:spcPts val="0"/>
+              </a:spcBef>
+              <a:spcAft>
+                <a:spcPts val="0"/>
+              </a:spcAft>
+              <a:buNone/>
+            </a:pPr>
+            <a:r>
+              <a:rPr lang="en">
+                <a:latin typeface="Roboto Slab"/>
+                <a:ea typeface="Roboto Slab"/>
+                <a:cs typeface="Roboto Slab"/>
+                <a:sym typeface="Roboto Slab"/>
+              </a:rPr>
+              <a:t>API</a:t>
+            </a:r>
+            <a:endParaRPr/>
+          </a:p>
+        </p:txBody>
+      </p:sp>
+      <p:sp>
+        <p:nvSpPr>
+          <p:cNvPr id="162" name="Shape 162"/>
+          <p:cNvSpPr txBox="1"/>
+          <p:nvPr/>
+        </p:nvSpPr>
+        <p:spPr>
+          <a:xfrm>
+            <a:off x="6478938" y="5090825"/>
+            <a:ext cx="961200" cy="467100"/>
+          </a:xfrm>
+          <a:prstGeom prst="rect">
+            <a:avLst/>
+          </a:prstGeom>
+          <a:noFill/>
+          <a:ln>
+            <a:noFill/>
+          </a:ln>
+        </p:spPr>
+        <p:txBody>
+          <a:bodyPr anchorCtr="0" anchor="t" bIns="91425" lIns="91425" spcFirstLastPara="1" rIns="91425" wrap="square" tIns="91425">
+            <a:noAutofit/>
+          </a:bodyPr>
+          <a:lstStyle/>
+          <a:p>
+            <a:pPr indent="0" lvl="0" marL="0" rtl="0" algn="ctr">
+              <a:spcBef>
+                <a:spcPts val="0"/>
+              </a:spcBef>
+              <a:spcAft>
+                <a:spcPts val="0"/>
+              </a:spcAft>
+              <a:buNone/>
+            </a:pPr>
+            <a:r>
+              <a:rPr lang="en">
+                <a:latin typeface="Roboto Slab"/>
+                <a:ea typeface="Roboto Slab"/>
+                <a:cs typeface="Roboto Slab"/>
+                <a:sym typeface="Roboto Slab"/>
+              </a:rPr>
+              <a:t>Server</a:t>
+            </a:r>
+            <a:endParaRPr/>
+          </a:p>
+        </p:txBody>
+      </p:sp>
     </p:spTree>
   </p:cSld>
   <p:clrMapOvr>
@@ -7611,7 +7897,7 @@
   <p:cSld>
     <p:spTree>
       <p:nvGrpSpPr>
-        <p:cNvPr id="160" name="Shape 160"/>
+        <p:cNvPr id="166" name="Shape 166"/>
         <p:cNvGrpSpPr/>
         <p:nvPr/>
       </p:nvGrpSpPr>
@@ -7625,7 +7911,7 @@
       </p:grpSpPr>
       <p:sp>
         <p:nvSpPr>
-          <p:cNvPr id="161" name="Shape 161"/>
+          <p:cNvPr id="167" name="Shape 167"/>
           <p:cNvSpPr txBox="1"/>
           <p:nvPr>
             <p:ph type="title"/>
@@ -7657,7 +7943,7 @@
             </a:pPr>
             <a:r>
               <a:rPr lang="en"/>
-              <a:t>List of functionalities</a:t>
+              <a:t>Architecture, description and communication</a:t>
             </a:r>
             <a:endParaRPr/>
           </a:p>
@@ -7665,114 +7951,7 @@
       </p:sp>
       <p:sp>
         <p:nvSpPr>
-          <p:cNvPr id="162" name="Shape 162"/>
-          <p:cNvSpPr txBox="1"/>
-          <p:nvPr>
-            <p:ph idx="1" type="body"/>
-          </p:nvPr>
-        </p:nvSpPr>
-        <p:spPr>
-          <a:xfrm>
-            <a:off x="786150" y="1682267"/>
-            <a:ext cx="7571700" cy="4764900"/>
-          </a:xfrm>
-          <a:prstGeom prst="rect">
-            <a:avLst/>
-          </a:prstGeom>
-        </p:spPr>
-        <p:txBody>
-          <a:bodyPr anchorCtr="0" anchor="t" bIns="91425" lIns="91425" spcFirstLastPara="1" rIns="91425" wrap="square" tIns="91425">
-            <a:noAutofit/>
-          </a:bodyPr>
-          <a:lstStyle/>
-          <a:p>
-            <a:pPr indent="-419100" lvl="0" marL="457200" rtl="0">
-              <a:spcBef>
-                <a:spcPts val="600"/>
-              </a:spcBef>
-              <a:spcAft>
-                <a:spcPts val="0"/>
-              </a:spcAft>
-              <a:buSzPts val="3000"/>
-              <a:buChar char="◎"/>
-            </a:pPr>
-            <a:r>
-              <a:rPr lang="en"/>
-              <a:t>Publish a new lost/found item</a:t>
-            </a:r>
-            <a:endParaRPr/>
-          </a:p>
-          <a:p>
-            <a:pPr indent="-419100" lvl="0" marL="457200" rtl="0">
-              <a:spcBef>
-                <a:spcPts val="0"/>
-              </a:spcBef>
-              <a:spcAft>
-                <a:spcPts val="0"/>
-              </a:spcAft>
-              <a:buSzPts val="3000"/>
-              <a:buChar char="◎"/>
-            </a:pPr>
-            <a:r>
-              <a:rPr lang="en"/>
-              <a:t>Check the status of your notices</a:t>
-            </a:r>
-            <a:endParaRPr/>
-          </a:p>
-          <a:p>
-            <a:pPr indent="-419100" lvl="0" marL="457200" rtl="0">
-              <a:spcBef>
-                <a:spcPts val="0"/>
-              </a:spcBef>
-              <a:spcAft>
-                <a:spcPts val="0"/>
-              </a:spcAft>
-              <a:buSzPts val="3000"/>
-              <a:buChar char="◎"/>
-            </a:pPr>
-            <a:r>
-              <a:rPr lang="en"/>
-              <a:t>Track the item (if matched) in real time</a:t>
-            </a:r>
-            <a:endParaRPr/>
-          </a:p>
-          <a:p>
-            <a:pPr indent="-419100" lvl="0" marL="457200" rtl="0">
-              <a:spcBef>
-                <a:spcPts val="0"/>
-              </a:spcBef>
-              <a:spcAft>
-                <a:spcPts val="0"/>
-              </a:spcAft>
-              <a:buSzPts val="3000"/>
-              <a:buChar char="◎"/>
-            </a:pPr>
-            <a:r>
-              <a:rPr lang="en"/>
-              <a:t>Message the person who found your item in-app (not sure yet)</a:t>
-            </a:r>
-            <a:endParaRPr/>
-          </a:p>
-          <a:p>
-            <a:pPr indent="0" lvl="0" marL="0" rtl="0">
-              <a:spcBef>
-                <a:spcPts val="600"/>
-              </a:spcBef>
-              <a:spcAft>
-                <a:spcPts val="0"/>
-              </a:spcAft>
-              <a:buNone/>
-            </a:pPr>
-            <a:r>
-              <a:t/>
-            </a:r>
-            <a:endParaRPr/>
-          </a:p>
-        </p:txBody>
-      </p:sp>
-      <p:sp>
-        <p:nvSpPr>
-          <p:cNvPr id="163" name="Shape 163"/>
+          <p:cNvPr id="168" name="Shape 168"/>
           <p:cNvSpPr txBox="1"/>
           <p:nvPr>
             <p:ph idx="12" type="sldNum"/>
@@ -7807,6 +7986,128 @@
               <a:t>‹#›</a:t>
             </a:fld>
             <a:endParaRPr/>
+          </a:p>
+        </p:txBody>
+      </p:sp>
+      <p:sp>
+        <p:nvSpPr>
+          <p:cNvPr id="169" name="Shape 169"/>
+          <p:cNvSpPr txBox="1"/>
+          <p:nvPr>
+            <p:ph idx="4294967295" type="body"/>
+          </p:nvPr>
+        </p:nvSpPr>
+        <p:spPr>
+          <a:xfrm>
+            <a:off x="786150" y="1682267"/>
+            <a:ext cx="7571700" cy="4764900"/>
+          </a:xfrm>
+          <a:prstGeom prst="rect">
+            <a:avLst/>
+          </a:prstGeom>
+        </p:spPr>
+        <p:txBody>
+          <a:bodyPr anchorCtr="0" anchor="t" bIns="91425" lIns="91425" spcFirstLastPara="1" rIns="91425" wrap="square" tIns="91425">
+            <a:noAutofit/>
+          </a:bodyPr>
+          <a:lstStyle/>
+          <a:p>
+            <a:pPr indent="-342900" lvl="0" marL="457200" rtl="0" algn="just">
+              <a:spcBef>
+                <a:spcPts val="600"/>
+              </a:spcBef>
+              <a:spcAft>
+                <a:spcPts val="0"/>
+              </a:spcAft>
+              <a:buSzPts val="1800"/>
+              <a:buChar char="◎"/>
+            </a:pPr>
+            <a:r>
+              <a:rPr lang="en" sz="1800"/>
+              <a:t>When creating a new notice, the app will use MatchMore’s API to create a new publication/subscription (depending on the type of the notice) that will be stored in a database hosted by GlassFish</a:t>
+            </a:r>
+            <a:endParaRPr sz="1800"/>
+          </a:p>
+          <a:p>
+            <a:pPr indent="-342900" lvl="0" marL="457200" rtl="0" algn="just">
+              <a:spcBef>
+                <a:spcPts val="1000"/>
+              </a:spcBef>
+              <a:spcAft>
+                <a:spcPts val="0"/>
+              </a:spcAft>
+              <a:buSzPts val="1800"/>
+              <a:buChar char="◎"/>
+            </a:pPr>
+            <a:r>
+              <a:rPr lang="en" sz="1800"/>
+              <a:t>If there is a match, MatchMore’s API will indicate it to the app</a:t>
+            </a:r>
+            <a:endParaRPr sz="1800"/>
+          </a:p>
+          <a:p>
+            <a:pPr indent="-342900" lvl="0" marL="457200" rtl="0" algn="just">
+              <a:spcBef>
+                <a:spcPts val="1000"/>
+              </a:spcBef>
+              <a:spcAft>
+                <a:spcPts val="0"/>
+              </a:spcAft>
+              <a:buSzPts val="1800"/>
+              <a:buChar char="◎"/>
+            </a:pPr>
+            <a:r>
+              <a:rPr lang="en" sz="1800"/>
+              <a:t>We will then use Google Map’s API to show a map with our location within our app and use MatchMore’s API to indicate in the map where the object is</a:t>
+            </a:r>
+            <a:endParaRPr sz="1800"/>
+          </a:p>
+          <a:p>
+            <a:pPr indent="-342900" lvl="0" marL="457200" rtl="0" algn="just">
+              <a:spcBef>
+                <a:spcPts val="1000"/>
+              </a:spcBef>
+              <a:spcAft>
+                <a:spcPts val="0"/>
+              </a:spcAft>
+              <a:buSzPts val="1800"/>
+              <a:buChar char="◎"/>
+            </a:pPr>
+            <a:r>
+              <a:rPr lang="en" sz="1800"/>
+              <a:t>When both users (the owner of the item and the user that found it) are close, MatchMore’s API will trigger a notification for both devices</a:t>
+            </a:r>
+            <a:endParaRPr sz="1800"/>
+          </a:p>
+          <a:p>
+            <a:pPr indent="0" lvl="0" marL="0" rtl="0" algn="just">
+              <a:spcBef>
+                <a:spcPts val="1000"/>
+              </a:spcBef>
+              <a:spcAft>
+                <a:spcPts val="0"/>
+              </a:spcAft>
+              <a:buNone/>
+            </a:pPr>
+            <a:r>
+              <a:t/>
+            </a:r>
+            <a:endParaRPr sz="1800"/>
+          </a:p>
+          <a:p>
+            <a:pPr indent="0" lvl="0" marL="0" rtl="0" algn="just">
+              <a:spcBef>
+                <a:spcPts val="600"/>
+              </a:spcBef>
+              <a:spcAft>
+                <a:spcPts val="0"/>
+              </a:spcAft>
+              <a:buNone/>
+            </a:pPr>
+            <a:r>
+              <a:t/>
+            </a:r>
+            <a:endParaRPr sz="1400"/>
           </a:p>
         </p:txBody>
       </p:sp>
@@ -7823,7 +8124,7 @@
   <p:cSld>
     <p:spTree>
       <p:nvGrpSpPr>
-        <p:cNvPr id="167" name="Shape 167"/>
+        <p:cNvPr id="173" name="Shape 173"/>
         <p:cNvGrpSpPr/>
         <p:nvPr/>
       </p:nvGrpSpPr>
@@ -7837,7 +8138,7 @@
       </p:grpSpPr>
       <p:sp>
         <p:nvSpPr>
-          <p:cNvPr id="168" name="Shape 168"/>
+          <p:cNvPr id="174" name="Shape 174"/>
           <p:cNvSpPr txBox="1"/>
           <p:nvPr>
             <p:ph type="title"/>
@@ -7869,7 +8170,7 @@
             </a:pPr>
             <a:r>
               <a:rPr lang="en"/>
-              <a:t>Work distribution</a:t>
+              <a:t>List of functionalities</a:t>
             </a:r>
             <a:endParaRPr/>
           </a:p>
@@ -7877,7 +8178,7 @@
       </p:sp>
       <p:sp>
         <p:nvSpPr>
-          <p:cNvPr id="169" name="Shape 169"/>
+          <p:cNvPr id="175" name="Shape 175"/>
           <p:cNvSpPr txBox="1"/>
           <p:nvPr>
             <p:ph idx="1" type="body"/>
@@ -7898,26 +8199,77 @@
           </a:bodyPr>
           <a:lstStyle/>
           <a:p>
-            <a:pPr indent="-419100" lvl="0" marL="457200" rtl="0">
+            <a:pPr indent="-342900" lvl="0" marL="457200" rtl="0">
               <a:spcBef>
                 <a:spcPts val="600"/>
               </a:spcBef>
               <a:spcAft>
                 <a:spcPts val="0"/>
               </a:spcAft>
-              <a:buSzPts val="3000"/>
+              <a:buSzPts val="1800"/>
               <a:buChar char="◎"/>
             </a:pPr>
             <a:r>
-              <a:rPr lang="en"/>
-              <a:t>Each member will try to work a bit everywhere, nothing is fixed as we don’t know each other coding capacities</a:t>
+              <a:rPr lang="en" sz="1800"/>
+              <a:t>Publish a new lost/found item</a:t>
             </a:r>
-            <a:endParaRPr/>
+            <a:endParaRPr sz="1800"/>
+          </a:p>
+          <a:p>
+            <a:pPr indent="-342900" lvl="0" marL="457200" rtl="0">
+              <a:spcBef>
+                <a:spcPts val="1000"/>
+              </a:spcBef>
+              <a:spcAft>
+                <a:spcPts val="0"/>
+              </a:spcAft>
+              <a:buSzPts val="1800"/>
+              <a:buChar char="◎"/>
+            </a:pPr>
+            <a:r>
+              <a:rPr lang="en" sz="1800"/>
+              <a:t>Check the status of your notices</a:t>
+            </a:r>
+            <a:endParaRPr sz="1800"/>
+          </a:p>
+          <a:p>
+            <a:pPr indent="-342900" lvl="0" marL="457200" rtl="0">
+              <a:spcBef>
+                <a:spcPts val="1000"/>
+              </a:spcBef>
+              <a:spcAft>
+                <a:spcPts val="0"/>
+              </a:spcAft>
+              <a:buSzPts val="1800"/>
+              <a:buChar char="◎"/>
+            </a:pPr>
+            <a:r>
+              <a:rPr lang="en" sz="1800"/>
+              <a:t>Track the item (if matched) in real time</a:t>
+            </a:r>
+            <a:endParaRPr sz="1800"/>
+          </a:p>
+          <a:p>
+            <a:pPr indent="-342900" lvl="0" marL="457200" rtl="0">
+              <a:spcBef>
+                <a:spcPts val="1000"/>
+              </a:spcBef>
+              <a:spcAft>
+                <a:spcPts val="0"/>
+              </a:spcAft>
+              <a:buSzPts val="1800"/>
+              <a:buChar char="◎"/>
+            </a:pPr>
+            <a:r>
+              <a:rPr lang="en" sz="1800"/>
+              <a:t>Message the person who found your item in-app (not sure yet)</a:t>
+            </a:r>
+            <a:endParaRPr sz="1800"/>
           </a:p>
           <a:p>
             <a:pPr indent="0" lvl="0" marL="0" rtl="0">
               <a:spcBef>
-                <a:spcPts val="600"/>
+                <a:spcPts val="1000"/>
               </a:spcBef>
               <a:spcAft>
                 <a:spcPts val="0"/>
@@ -7933,7 +8285,7 @@
       </p:sp>
       <p:sp>
         <p:nvSpPr>
-          <p:cNvPr id="170" name="Shape 170"/>
+          <p:cNvPr id="176" name="Shape 176"/>
           <p:cNvSpPr txBox="1"/>
           <p:nvPr>
             <p:ph idx="12" type="sldNum"/>
@@ -7984,7 +8336,7 @@
   <p:cSld>
     <p:spTree>
       <p:nvGrpSpPr>
-        <p:cNvPr id="174" name="Shape 174"/>
+        <p:cNvPr id="180" name="Shape 180"/>
         <p:cNvGrpSpPr/>
         <p:nvPr/>
       </p:nvGrpSpPr>
@@ -7998,7 +8350,168 @@
       </p:grpSpPr>
       <p:sp>
         <p:nvSpPr>
-          <p:cNvPr id="175" name="Shape 175"/>
+          <p:cNvPr id="181" name="Shape 181"/>
+          <p:cNvSpPr txBox="1"/>
+          <p:nvPr>
+            <p:ph type="title"/>
+          </p:nvPr>
+        </p:nvSpPr>
+        <p:spPr>
+          <a:xfrm>
+            <a:off x="786150" y="410826"/>
+            <a:ext cx="7571700" cy="936900"/>
+          </a:xfrm>
+          <a:prstGeom prst="rect">
+            <a:avLst/>
+          </a:prstGeom>
+        </p:spPr>
+        <p:txBody>
+          <a:bodyPr anchorCtr="0" anchor="b" bIns="91425" lIns="91425" spcFirstLastPara="1" rIns="91425" wrap="square" tIns="91425">
+            <a:noAutofit/>
+          </a:bodyPr>
+          <a:lstStyle/>
+          <a:p>
+            <a:pPr indent="0" lvl="0" marL="0" rtl="0">
+              <a:spcBef>
+                <a:spcPts val="0"/>
+              </a:spcBef>
+              <a:spcAft>
+                <a:spcPts val="0"/>
+              </a:spcAft>
+              <a:buNone/>
+            </a:pPr>
+            <a:r>
+              <a:rPr lang="en"/>
+              <a:t>Work distribution</a:t>
+            </a:r>
+            <a:endParaRPr/>
+          </a:p>
+        </p:txBody>
+      </p:sp>
+      <p:sp>
+        <p:nvSpPr>
+          <p:cNvPr id="182" name="Shape 182"/>
+          <p:cNvSpPr txBox="1"/>
+          <p:nvPr>
+            <p:ph idx="1" type="body"/>
+          </p:nvPr>
+        </p:nvSpPr>
+        <p:spPr>
+          <a:xfrm>
+            <a:off x="786150" y="1682267"/>
+            <a:ext cx="7571700" cy="4764900"/>
+          </a:xfrm>
+          <a:prstGeom prst="rect">
+            <a:avLst/>
+          </a:prstGeom>
+        </p:spPr>
+        <p:txBody>
+          <a:bodyPr anchorCtr="0" anchor="t" bIns="91425" lIns="91425" spcFirstLastPara="1" rIns="91425" wrap="square" tIns="91425">
+            <a:noAutofit/>
+          </a:bodyPr>
+          <a:lstStyle/>
+          <a:p>
+            <a:pPr indent="-317500" lvl="0" marL="457200" rtl="0" algn="just">
+              <a:spcBef>
+                <a:spcPts val="600"/>
+              </a:spcBef>
+              <a:spcAft>
+                <a:spcPts val="0"/>
+              </a:spcAft>
+              <a:buSzPts val="1400"/>
+              <a:buChar char="◎"/>
+            </a:pPr>
+            <a:r>
+              <a:rPr lang="en" sz="1400"/>
+              <a:t>Each member will try to work a bit everywhere, nothing is fixed as we don’t know each other coding capacities</a:t>
+            </a:r>
+            <a:endParaRPr sz="1400"/>
+          </a:p>
+          <a:p>
+            <a:pPr indent="0" lvl="0" marL="0" rtl="0">
+              <a:spcBef>
+                <a:spcPts val="1000"/>
+              </a:spcBef>
+              <a:spcAft>
+                <a:spcPts val="0"/>
+              </a:spcAft>
+              <a:buNone/>
+            </a:pPr>
+            <a:r>
+              <a:t/>
+            </a:r>
+            <a:endParaRPr/>
+          </a:p>
+        </p:txBody>
+      </p:sp>
+      <p:sp>
+        <p:nvSpPr>
+          <p:cNvPr id="183" name="Shape 183"/>
+          <p:cNvSpPr txBox="1"/>
+          <p:nvPr>
+            <p:ph idx="12" type="sldNum"/>
+          </p:nvPr>
+        </p:nvSpPr>
+        <p:spPr>
+          <a:xfrm>
+            <a:off x="8404384" y="6333134"/>
+            <a:ext cx="548700" cy="525000"/>
+          </a:xfrm>
+          <a:prstGeom prst="rect">
+            <a:avLst/>
+          </a:prstGeom>
+        </p:spPr>
+        <p:txBody>
+          <a:bodyPr anchorCtr="0" anchor="t" bIns="91425" lIns="91425" spcFirstLastPara="1" rIns="91425" wrap="square" tIns="91425">
+            <a:noAutofit/>
+          </a:bodyPr>
+          <a:lstStyle/>
+          <a:p>
+            <a:pPr indent="0" lvl="0" marL="0" rtl="0">
+              <a:spcBef>
+                <a:spcPts val="0"/>
+              </a:spcBef>
+              <a:spcAft>
+                <a:spcPts val="0"/>
+              </a:spcAft>
+              <a:buNone/>
+            </a:pPr>
+            <a:fld id="{00000000-1234-1234-1234-123412341234}" type="slidenum">
+              <a:rPr lang="en"/>
+              <a:t>‹#›</a:t>
+            </a:fld>
+            <a:endParaRPr/>
+          </a:p>
+        </p:txBody>
+      </p:sp>
+    </p:spTree>
+  </p:cSld>
+  <p:clrMapOvr>
+    <a:masterClrMapping/>
+  </p:clrMapOvr>
+</p:sld>
+</file>
+
+<file path=ppt/slides/slide14.xml><?xml version="1.0" encoding="utf-8"?>
+<p:sld xmlns:a="http://schemas.openxmlformats.org/drawingml/2006/main" xmlns:r="http://schemas.openxmlformats.org/officeDocument/2006/relationships" xmlns:mc="http://schemas.openxmlformats.org/markup-compatibility/2006" xmlns:mv="urn:schemas-microsoft-com:mac:vml" xmlns:p="http://schemas.openxmlformats.org/presentationml/2006/main" xmlns:c="http://schemas.openxmlformats.org/drawingml/2006/chart" xmlns:dgm="http://schemas.openxmlformats.org/drawingml/2006/diagram" xmlns:o="urn:schemas-microsoft-com:office:office" xmlns:v="urn:schemas-microsoft-com:vml" xmlns:pvml="urn:schemas-microsoft-com:office:powerpoint" xmlns:com="http://schemas.openxmlformats.org/drawingml/2006/compatibility" xmlns:p14="http://schemas.microsoft.com/office/powerpoint/2010/main" xmlns:p15="http://schemas.microsoft.com/office/powerpoint/2012/main">
+  <p:cSld>
+    <p:spTree>
+      <p:nvGrpSpPr>
+        <p:cNvPr id="187" name="Shape 187"/>
+        <p:cNvGrpSpPr/>
+        <p:nvPr/>
+      </p:nvGrpSpPr>
+      <p:grpSpPr>
+        <a:xfrm>
+          <a:off x="0" y="0"/>
+          <a:ext cx="0" cy="0"/>
+          <a:chOff x="0" y="0"/>
+          <a:chExt cx="0" cy="0"/>
+        </a:xfrm>
+      </p:grpSpPr>
+      <p:sp>
+        <p:nvSpPr>
+          <p:cNvPr id="188" name="Shape 188"/>
           <p:cNvSpPr txBox="1"/>
           <p:nvPr>
             <p:ph idx="4294967295" type="ctrTitle"/>
@@ -8038,7 +8551,7 @@
       </p:sp>
       <p:sp>
         <p:nvSpPr>
-          <p:cNvPr id="176" name="Shape 176"/>
+          <p:cNvPr id="189" name="Shape 189"/>
           <p:cNvSpPr txBox="1"/>
           <p:nvPr>
             <p:ph idx="4294967295" type="subTitle"/>
@@ -8078,7 +8591,7 @@
       </p:sp>
       <p:sp>
         <p:nvSpPr>
-          <p:cNvPr id="177" name="Shape 177"/>
+          <p:cNvPr id="190" name="Shape 190"/>
           <p:cNvSpPr txBox="1"/>
           <p:nvPr>
             <p:ph idx="12" type="sldNum"/>
@@ -9324,38 +9837,38 @@
           </a:bodyPr>
           <a:lstStyle/>
           <a:p>
-            <a:pPr indent="-419100" lvl="0" marL="457200" rtl="0">
+            <a:pPr indent="-317500" lvl="0" marL="457200" rtl="0">
               <a:spcBef>
                 <a:spcPts val="600"/>
               </a:spcBef>
               <a:spcAft>
                 <a:spcPts val="0"/>
               </a:spcAft>
-              <a:buSzPts val="3000"/>
+              <a:buSzPts val="1400"/>
               <a:buChar char="◎"/>
             </a:pPr>
             <a:r>
-              <a:rPr lang="en"/>
+              <a:rPr lang="en" sz="1400"/>
               <a:t>Makes looking for lost objects easier</a:t>
             </a:r>
-            <a:endParaRPr/>
+            <a:endParaRPr sz="1400"/>
           </a:p>
           <a:p>
-            <a:pPr indent="-419100" lvl="0" marL="457200" rtl="0">
-              <a:spcBef>
-                <a:spcPts val="0"/>
-              </a:spcBef>
-              <a:spcAft>
-                <a:spcPts val="0"/>
-              </a:spcAft>
-              <a:buSzPts val="3000"/>
+            <a:pPr indent="-317500" lvl="0" marL="457200" rtl="0">
+              <a:spcBef>
+                <a:spcPts val="0"/>
+              </a:spcBef>
+              <a:spcAft>
+                <a:spcPts val="0"/>
+              </a:spcAft>
+              <a:buSzPts val="1400"/>
               <a:buChar char="◎"/>
             </a:pPr>
             <a:r>
-              <a:rPr lang="en"/>
+              <a:rPr lang="en" sz="1400"/>
               <a:t>Changes the way one returns lost objects</a:t>
             </a:r>
-            <a:endParaRPr/>
+            <a:endParaRPr sz="1400"/>
           </a:p>
           <a:p>
             <a:pPr indent="0" lvl="0" marL="0" rtl="0">
@@ -10476,6 +10989,285 @@
 </file>
 
 <file path=ppt/theme/theme1.xml><?xml version="1.0" encoding="utf-8"?>
+<a:theme xmlns:a="http://schemas.openxmlformats.org/drawingml/2006/main" xmlns:r="http://schemas.openxmlformats.org/officeDocument/2006/relationships">
+  <a:themeElements>
+    <a:clrScheme name="Default">
+      <a:dk1>
+        <a:srgbClr val="000000"/>
+      </a:dk1>
+      <a:lt1>
+        <a:srgbClr val="FFFFFF"/>
+      </a:lt1>
+      <a:dk2>
+        <a:srgbClr val="158158"/>
+      </a:dk2>
+      <a:lt2>
+        <a:srgbClr val="F3F3F3"/>
+      </a:lt2>
+      <a:accent1>
+        <a:srgbClr val="058DC7"/>
+      </a:accent1>
+      <a:accent2>
+        <a:srgbClr val="50B432"/>
+      </a:accent2>
+      <a:accent3>
+        <a:srgbClr val="ED561B"/>
+      </a:accent3>
+      <a:accent4>
+        <a:srgbClr val="EDEF00"/>
+      </a:accent4>
+      <a:accent5>
+        <a:srgbClr val="24CBE5"/>
+      </a:accent5>
+      <a:accent6>
+        <a:srgbClr val="64E572"/>
+      </a:accent6>
+      <a:hlink>
+        <a:srgbClr val="2200CC"/>
+      </a:hlink>
+      <a:folHlink>
+        <a:srgbClr val="551A8B"/>
+      </a:folHlink>
+    </a:clrScheme>
+    <a:fontScheme name="Office">
+      <a:majorFont>
+        <a:latin typeface="Arial"/>
+        <a:ea typeface=""/>
+        <a:cs typeface=""/>
+        <a:font script="Jpan" typeface="ＭＳ Ｐゴシック"/>
+        <a:font script="Hang" typeface="맑은 고딕"/>
+        <a:font script="Hans" typeface="宋体"/>
+        <a:font script="Hant" typeface="新細明體"/>
+        <a:font script="Arab" typeface="Times New Roman"/>
+        <a:font script="Hebr" typeface="Times New Roman"/>
+        <a:font script="Thai" typeface="Angsana New"/>
+        <a:font script="Ethi" typeface="Nyala"/>
+        <a:font script="Beng" typeface="Vrinda"/>
+        <a:font script="Gujr" typeface="Shruti"/>
+        <a:font script="Khmr" typeface="MoolBoran"/>
+        <a:font script="Knda" typeface="Tunga"/>
+        <a:font script="Guru" typeface="Raavi"/>
+        <a:font script="Cans" typeface="Euphemia"/>
+        <a:font script="Cher" typeface="Plantagenet Cherokee"/>
+        <a:font script="Yiii" typeface="Microsoft Yi Baiti"/>
+        <a:font script="Tibt" typeface="Microsoft Himalaya"/>
+        <a:font script="Thaa" typeface="MV Boli"/>
+        <a:font script="Deva" typeface="Mangal"/>
+        <a:font script="Telu" typeface="Gautami"/>
+        <a:font script="Taml" typeface="Latha"/>
+        <a:font script="Syrc" typeface="Estrangelo Edessa"/>
+        <a:font script="Orya" typeface="Kalinga"/>
+        <a:font script="Mlym" typeface="Kartika"/>
+        <a:font script="Laoo" typeface="DokChampa"/>
+        <a:font script="Sinh" typeface="Iskoola Pota"/>
+        <a:font script="Mong" typeface="Mongolian Baiti"/>
+        <a:font script="Viet" typeface="Times New Roman"/>
+        <a:font script="Uigh" typeface="Microsoft Uighur"/>
+        <a:font script="Geor" typeface="Sylfaen"/>
+      </a:majorFont>
+      <a:minorFont>
+        <a:latin typeface="Arial"/>
+        <a:ea typeface=""/>
+        <a:cs typeface=""/>
+        <a:font script="Jpan" typeface="ＭＳ Ｐゴシック"/>
+        <a:font script="Hang" typeface="맑은 고딕"/>
+        <a:font script="Hans" typeface="宋体"/>
+        <a:font script="Hant" typeface="新細明體"/>
+        <a:font script="Arab" typeface="Arial"/>
+        <a:font script="Hebr" typeface="Arial"/>
+        <a:font script="Thai" typeface="Cordia New"/>
+        <a:font script="Ethi" typeface="Nyala"/>
+        <a:font script="Beng" typeface="Vrinda"/>
+        <a:font script="Gujr" typeface="Shruti"/>
+        <a:font script="Khmr" typeface="DaunPenh"/>
+        <a:font script="Knda" typeface="Tunga"/>
+        <a:font script="Guru" typeface="Raavi"/>
+        <a:font script="Cans" typeface="Euphemia"/>
+        <a:font script="Cher" typeface="Plantagenet Cherokee"/>
+        <a:font script="Yiii" typeface="Microsoft Yi Baiti"/>
+        <a:font script="Tibt" typeface="Microsoft Himalaya"/>
+        <a:font script="Thaa" typeface="MV Boli"/>
+        <a:font script="Deva" typeface="Mangal"/>
+        <a:font script="Telu" typeface="Gautami"/>
+        <a:font script="Taml" typeface="Latha"/>
+        <a:font script="Syrc" typeface="Estrangelo Edessa"/>
+        <a:font script="Orya" typeface="Kalinga"/>
+        <a:font script="Mlym" typeface="Kartika"/>
+        <a:font script="Laoo" typeface="DokChampa"/>
+        <a:font script="Sinh" typeface="Iskoola Pota"/>
+        <a:font script="Mong" typeface="Mongolian Baiti"/>
+        <a:font script="Viet" typeface="Arial"/>
+        <a:font script="Uigh" typeface="Microsoft Uighur"/>
+        <a:font script="Geor" typeface="Sylfaen"/>
+      </a:minorFont>
+    </a:fontScheme>
+    <a:fmtScheme name="Office">
+      <a:fillStyleLst>
+        <a:solidFill>
+          <a:schemeClr val="phClr"/>
+        </a:solidFill>
+        <a:gradFill rotWithShape="1">
+          <a:gsLst>
+            <a:gs pos="0">
+              <a:schemeClr val="phClr">
+                <a:tint val="50000"/>
+                <a:satMod val="300000"/>
+              </a:schemeClr>
+            </a:gs>
+            <a:gs pos="35000">
+              <a:schemeClr val="phClr">
+                <a:tint val="37000"/>
+                <a:satMod val="300000"/>
+              </a:schemeClr>
+            </a:gs>
+            <a:gs pos="100000">
+              <a:schemeClr val="phClr">
+                <a:tint val="15000"/>
+                <a:satMod val="350000"/>
+              </a:schemeClr>
+            </a:gs>
+          </a:gsLst>
+          <a:lin ang="16200000" scaled="1"/>
+        </a:gradFill>
+        <a:gradFill rotWithShape="1">
+          <a:gsLst>
+            <a:gs pos="0">
+              <a:schemeClr val="phClr">
+                <a:tint val="100000"/>
+                <a:shade val="100000"/>
+                <a:satMod val="130000"/>
+              </a:schemeClr>
+            </a:gs>
+            <a:gs pos="100000">
+              <a:schemeClr val="phClr">
+                <a:tint val="50000"/>
+                <a:shade val="100000"/>
+                <a:satMod val="350000"/>
+              </a:schemeClr>
+            </a:gs>
+          </a:gsLst>
+          <a:lin ang="16200000" scaled="0"/>
+        </a:gradFill>
+      </a:fillStyleLst>
+      <a:lnStyleLst>
+        <a:ln w="9525" cap="flat" cmpd="sng" algn="ctr">
+          <a:solidFill>
+            <a:schemeClr val="phClr">
+              <a:shade val="95000"/>
+              <a:satMod val="105000"/>
+            </a:schemeClr>
+          </a:solidFill>
+          <a:prstDash val="solid"/>
+        </a:ln>
+        <a:ln w="25400" cap="flat" cmpd="sng" algn="ctr">
+          <a:solidFill>
+            <a:schemeClr val="phClr"/>
+          </a:solidFill>
+          <a:prstDash val="solid"/>
+        </a:ln>
+        <a:ln w="38100" cap="flat" cmpd="sng" algn="ctr">
+          <a:solidFill>
+            <a:schemeClr val="phClr"/>
+          </a:solidFill>
+          <a:prstDash val="solid"/>
+        </a:ln>
+      </a:lnStyleLst>
+      <a:effectStyleLst>
+        <a:effectStyle>
+          <a:effectLst>
+            <a:outerShdw blurRad="40000" dist="20000" dir="5400000" rotWithShape="0">
+              <a:srgbClr val="000000">
+                <a:alpha val="38000"/>
+              </a:srgbClr>
+            </a:outerShdw>
+          </a:effectLst>
+        </a:effectStyle>
+        <a:effectStyle>
+          <a:effectLst>
+            <a:outerShdw blurRad="40000" dist="23000" dir="5400000" rotWithShape="0">
+              <a:srgbClr val="000000">
+                <a:alpha val="35000"/>
+              </a:srgbClr>
+            </a:outerShdw>
+          </a:effectLst>
+        </a:effectStyle>
+        <a:effectStyle>
+          <a:effectLst>
+            <a:outerShdw blurRad="40000" dist="23000" dir="5400000" rotWithShape="0">
+              <a:srgbClr val="000000">
+                <a:alpha val="35000"/>
+              </a:srgbClr>
+            </a:outerShdw>
+          </a:effectLst>
+          <a:scene3d>
+            <a:camera prst="orthographicFront">
+              <a:rot lat="0" lon="0" rev="0"/>
+            </a:camera>
+            <a:lightRig rig="threePt" dir="t">
+              <a:rot lat="0" lon="0" rev="1200000"/>
+            </a:lightRig>
+          </a:scene3d>
+          <a:sp3d>
+            <a:bevelT w="63500" h="25400"/>
+          </a:sp3d>
+        </a:effectStyle>
+      </a:effectStyleLst>
+      <a:bgFillStyleLst>
+        <a:solidFill>
+          <a:schemeClr val="phClr"/>
+        </a:solidFill>
+        <a:gradFill rotWithShape="1">
+          <a:gsLst>
+            <a:gs pos="0">
+              <a:schemeClr val="phClr">
+                <a:tint val="40000"/>
+                <a:satMod val="350000"/>
+              </a:schemeClr>
+            </a:gs>
+            <a:gs pos="40000">
+              <a:schemeClr val="phClr">
+                <a:tint val="45000"/>
+                <a:shade val="99000"/>
+                <a:satMod val="350000"/>
+              </a:schemeClr>
+            </a:gs>
+            <a:gs pos="100000">
+              <a:schemeClr val="phClr">
+                <a:shade val="20000"/>
+                <a:satMod val="255000"/>
+              </a:schemeClr>
+            </a:gs>
+          </a:gsLst>
+          <a:path path="circle">
+            <a:fillToRect l="50000" t="-80000" r="50000" b="180000"/>
+          </a:path>
+        </a:gradFill>
+        <a:gradFill rotWithShape="1">
+          <a:gsLst>
+            <a:gs pos="0">
+              <a:schemeClr val="phClr">
+                <a:tint val="80000"/>
+                <a:satMod val="300000"/>
+              </a:schemeClr>
+            </a:gs>
+            <a:gs pos="100000">
+              <a:schemeClr val="phClr">
+                <a:shade val="30000"/>
+                <a:satMod val="200000"/>
+              </a:schemeClr>
+            </a:gs>
+          </a:gsLst>
+          <a:path path="circle">
+            <a:fillToRect l="50000" t="50000" r="50000" b="50000"/>
+          </a:path>
+        </a:gradFill>
+      </a:bgFillStyleLst>
+    </a:fmtScheme>
+  </a:themeElements>
+</a:theme>
+</file>
+
+<file path=ppt/theme/theme2.xml><?xml version="1.0" encoding="utf-8"?>
 <a:theme xmlns:a="http://schemas.openxmlformats.org/drawingml/2006/main" xmlns:r="http://schemas.openxmlformats.org/officeDocument/2006/relationships" name="Cordelia template">
   <a:themeElements>
     <a:clrScheme name="Custom 347">
@@ -10752,283 +11544,4 @@
     </a:fmtScheme>
   </a:themeElements>
 </a:theme>
-</file>
-
-<file path=ppt/theme/theme2.xml><?xml version="1.0" encoding="utf-8"?>
-<a:theme xmlns:a="http://schemas.openxmlformats.org/drawingml/2006/main" xmlns:r="http://schemas.openxmlformats.org/officeDocument/2006/relationships">
-  <a:themeElements>
-    <a:clrScheme name="Default">
-      <a:dk1>
-        <a:srgbClr val="000000"/>
-      </a:dk1>
-      <a:lt1>
-        <a:srgbClr val="FFFFFF"/>
-      </a:lt1>
-      <a:dk2>
-        <a:srgbClr val="158158"/>
-      </a:dk2>
-      <a:lt2>
-        <a:srgbClr val="F3F3F3"/>
-      </a:lt2>
-      <a:accent1>
-        <a:srgbClr val="058DC7"/>
-      </a:accent1>
-      <a:accent2>
-        <a:srgbClr val="50B432"/>
-      </a:accent2>
-      <a:accent3>
-        <a:srgbClr val="ED561B"/>
-      </a:accent3>
-      <a:accent4>
-        <a:srgbClr val="EDEF00"/>
-      </a:accent4>
-      <a:accent5>
-        <a:srgbClr val="24CBE5"/>
-      </a:accent5>
-      <a:accent6>
-        <a:srgbClr val="64E572"/>
-      </a:accent6>
-      <a:hlink>
-        <a:srgbClr val="2200CC"/>
-      </a:hlink>
-      <a:folHlink>
-        <a:srgbClr val="551A8B"/>
-      </a:folHlink>
-    </a:clrScheme>
-    <a:fontScheme name="Office">
-      <a:majorFont>
-        <a:latin typeface="Arial"/>
-        <a:ea typeface=""/>
-        <a:cs typeface=""/>
-        <a:font script="Jpan" typeface="ＭＳ Ｐゴシック"/>
-        <a:font script="Hang" typeface="맑은 고딕"/>
-        <a:font script="Hans" typeface="宋体"/>
-        <a:font script="Hant" typeface="新細明體"/>
-        <a:font script="Arab" typeface="Times New Roman"/>
-        <a:font script="Hebr" typeface="Times New Roman"/>
-        <a:font script="Thai" typeface="Angsana New"/>
-        <a:font script="Ethi" typeface="Nyala"/>
-        <a:font script="Beng" typeface="Vrinda"/>
-        <a:font script="Gujr" typeface="Shruti"/>
-        <a:font script="Khmr" typeface="MoolBoran"/>
-        <a:font script="Knda" typeface="Tunga"/>
-        <a:font script="Guru" typeface="Raavi"/>
-        <a:font script="Cans" typeface="Euphemia"/>
-        <a:font script="Cher" typeface="Plantagenet Cherokee"/>
-        <a:font script="Yiii" typeface="Microsoft Yi Baiti"/>
-        <a:font script="Tibt" typeface="Microsoft Himalaya"/>
-        <a:font script="Thaa" typeface="MV Boli"/>
-        <a:font script="Deva" typeface="Mangal"/>
-        <a:font script="Telu" typeface="Gautami"/>
-        <a:font script="Taml" typeface="Latha"/>
-        <a:font script="Syrc" typeface="Estrangelo Edessa"/>
-        <a:font script="Orya" typeface="Kalinga"/>
-        <a:font script="Mlym" typeface="Kartika"/>
-        <a:font script="Laoo" typeface="DokChampa"/>
-        <a:font script="Sinh" typeface="Iskoola Pota"/>
-        <a:font script="Mong" typeface="Mongolian Baiti"/>
-        <a:font script="Viet" typeface="Times New Roman"/>
-        <a:font script="Uigh" typeface="Microsoft Uighur"/>
-        <a:font script="Geor" typeface="Sylfaen"/>
-      </a:majorFont>
-      <a:minorFont>
-        <a:latin typeface="Arial"/>
-        <a:ea typeface=""/>
-        <a:cs typeface=""/>
-        <a:font script="Jpan" typeface="ＭＳ Ｐゴシック"/>
-        <a:font script="Hang" typeface="맑은 고딕"/>
-        <a:font script="Hans" typeface="宋体"/>
-        <a:font script="Hant" typeface="新細明體"/>
-        <a:font script="Arab" typeface="Arial"/>
-        <a:font script="Hebr" typeface="Arial"/>
-        <a:font script="Thai" typeface="Cordia New"/>
-        <a:font script="Ethi" typeface="Nyala"/>
-        <a:font script="Beng" typeface="Vrinda"/>
-        <a:font script="Gujr" typeface="Shruti"/>
-        <a:font script="Khmr" typeface="DaunPenh"/>
-        <a:font script="Knda" typeface="Tunga"/>
-        <a:font script="Guru" typeface="Raavi"/>
-        <a:font script="Cans" typeface="Euphemia"/>
-        <a:font script="Cher" typeface="Plantagenet Cherokee"/>
-        <a:font script="Yiii" typeface="Microsoft Yi Baiti"/>
-        <a:font script="Tibt" typeface="Microsoft Himalaya"/>
-        <a:font script="Thaa" typeface="MV Boli"/>
-        <a:font script="Deva" typeface="Mangal"/>
-        <a:font script="Telu" typeface="Gautami"/>
-        <a:font script="Taml" typeface="Latha"/>
-        <a:font script="Syrc" typeface="Estrangelo Edessa"/>
-        <a:font script="Orya" typeface="Kalinga"/>
-        <a:font script="Mlym" typeface="Kartika"/>
-        <a:font script="Laoo" typeface="DokChampa"/>
-        <a:font script="Sinh" typeface="Iskoola Pota"/>
-        <a:font script="Mong" typeface="Mongolian Baiti"/>
-        <a:font script="Viet" typeface="Arial"/>
-        <a:font script="Uigh" typeface="Microsoft Uighur"/>
-        <a:font script="Geor" typeface="Sylfaen"/>
-      </a:minorFont>
-    </a:fontScheme>
-    <a:fmtScheme name="Office">
-      <a:fillStyleLst>
-        <a:solidFill>
-          <a:schemeClr val="phClr"/>
-        </a:solidFill>
-        <a:gradFill rotWithShape="1">
-          <a:gsLst>
-            <a:gs pos="0">
-              <a:schemeClr val="phClr">
-                <a:tint val="50000"/>
-                <a:satMod val="300000"/>
-              </a:schemeClr>
-            </a:gs>
-            <a:gs pos="35000">
-              <a:schemeClr val="phClr">
-                <a:tint val="37000"/>
-                <a:satMod val="300000"/>
-              </a:schemeClr>
-            </a:gs>
-            <a:gs pos="100000">
-              <a:schemeClr val="phClr">
-                <a:tint val="15000"/>
-                <a:satMod val="350000"/>
-              </a:schemeClr>
-            </a:gs>
-          </a:gsLst>
-          <a:lin ang="16200000" scaled="1"/>
-        </a:gradFill>
-        <a:gradFill rotWithShape="1">
-          <a:gsLst>
-            <a:gs pos="0">
-              <a:schemeClr val="phClr">
-                <a:tint val="100000"/>
-                <a:shade val="100000"/>
-                <a:satMod val="130000"/>
-              </a:schemeClr>
-            </a:gs>
-            <a:gs pos="100000">
-              <a:schemeClr val="phClr">
-                <a:tint val="50000"/>
-                <a:shade val="100000"/>
-                <a:satMod val="350000"/>
-              </a:schemeClr>
-            </a:gs>
-          </a:gsLst>
-          <a:lin ang="16200000" scaled="0"/>
-        </a:gradFill>
-      </a:fillStyleLst>
-      <a:lnStyleLst>
-        <a:ln w="9525" cap="flat" cmpd="sng" algn="ctr">
-          <a:solidFill>
-            <a:schemeClr val="phClr">
-              <a:shade val="95000"/>
-              <a:satMod val="105000"/>
-            </a:schemeClr>
-          </a:solidFill>
-          <a:prstDash val="solid"/>
-        </a:ln>
-        <a:ln w="25400" cap="flat" cmpd="sng" algn="ctr">
-          <a:solidFill>
-            <a:schemeClr val="phClr"/>
-          </a:solidFill>
-          <a:prstDash val="solid"/>
-        </a:ln>
-        <a:ln w="38100" cap="flat" cmpd="sng" algn="ctr">
-          <a:solidFill>
-            <a:schemeClr val="phClr"/>
-          </a:solidFill>
-          <a:prstDash val="solid"/>
-        </a:ln>
-      </a:lnStyleLst>
-      <a:effectStyleLst>
-        <a:effectStyle>
-          <a:effectLst>
-            <a:outerShdw blurRad="40000" dist="20000" dir="5400000" rotWithShape="0">
-              <a:srgbClr val="000000">
-                <a:alpha val="38000"/>
-              </a:srgbClr>
-            </a:outerShdw>
-          </a:effectLst>
-        </a:effectStyle>
-        <a:effectStyle>
-          <a:effectLst>
-            <a:outerShdw blurRad="40000" dist="23000" dir="5400000" rotWithShape="0">
-              <a:srgbClr val="000000">
-                <a:alpha val="35000"/>
-              </a:srgbClr>
-            </a:outerShdw>
-          </a:effectLst>
-        </a:effectStyle>
-        <a:effectStyle>
-          <a:effectLst>
-            <a:outerShdw blurRad="40000" dist="23000" dir="5400000" rotWithShape="0">
-              <a:srgbClr val="000000">
-                <a:alpha val="35000"/>
-              </a:srgbClr>
-            </a:outerShdw>
-          </a:effectLst>
-          <a:scene3d>
-            <a:camera prst="orthographicFront">
-              <a:rot lat="0" lon="0" rev="0"/>
-            </a:camera>
-            <a:lightRig rig="threePt" dir="t">
-              <a:rot lat="0" lon="0" rev="1200000"/>
-            </a:lightRig>
-          </a:scene3d>
-          <a:sp3d>
-            <a:bevelT w="63500" h="25400"/>
-          </a:sp3d>
-        </a:effectStyle>
-      </a:effectStyleLst>
-      <a:bgFillStyleLst>
-        <a:solidFill>
-          <a:schemeClr val="phClr"/>
-        </a:solidFill>
-        <a:gradFill rotWithShape="1">
-          <a:gsLst>
-            <a:gs pos="0">
-              <a:schemeClr val="phClr">
-                <a:tint val="40000"/>
-                <a:satMod val="350000"/>
-              </a:schemeClr>
-            </a:gs>
-            <a:gs pos="40000">
-              <a:schemeClr val="phClr">
-                <a:tint val="45000"/>
-                <a:shade val="99000"/>
-                <a:satMod val="350000"/>
-              </a:schemeClr>
-            </a:gs>
-            <a:gs pos="100000">
-              <a:schemeClr val="phClr">
-                <a:shade val="20000"/>
-                <a:satMod val="255000"/>
-              </a:schemeClr>
-            </a:gs>
-          </a:gsLst>
-          <a:path path="circle">
-            <a:fillToRect l="50000" t="-80000" r="50000" b="180000"/>
-          </a:path>
-        </a:gradFill>
-        <a:gradFill rotWithShape="1">
-          <a:gsLst>
-            <a:gs pos="0">
-              <a:schemeClr val="phClr">
-                <a:tint val="80000"/>
-                <a:satMod val="300000"/>
-              </a:schemeClr>
-            </a:gs>
-            <a:gs pos="100000">
-              <a:schemeClr val="phClr">
-                <a:shade val="30000"/>
-                <a:satMod val="200000"/>
-              </a:schemeClr>
-            </a:gs>
-          </a:gsLst>
-          <a:path path="circle">
-            <a:fillToRect l="50000" t="50000" r="50000" b="50000"/>
-          </a:path>
-        </a:gradFill>
-      </a:bgFillStyleLst>
-    </a:fmtScheme>
-  </a:themeElements>
-</a:theme>
 </file>
--- a/Phase 1/Slides.pptx
+++ b/Phase 1/Slides.pptx
@@ -7579,37 +7579,9 @@
           </a:p>
         </p:txBody>
       </p:sp>
-      <p:pic>
-        <p:nvPicPr>
+      <p:sp>
+        <p:nvSpPr>
           <p:cNvPr id="155" name="Shape 155"/>
-          <p:cNvPicPr preferRelativeResize="0"/>
-          <p:nvPr/>
-        </p:nvPicPr>
-        <p:blipFill>
-          <a:blip r:embed="rId3">
-            <a:alphaModFix/>
-          </a:blip>
-          <a:stretch>
-            <a:fillRect/>
-          </a:stretch>
-        </p:blipFill>
-        <p:spPr>
-          <a:xfrm>
-            <a:off x="469275" y="1724043"/>
-            <a:ext cx="8205450" cy="2543432"/>
-          </a:xfrm>
-          <a:prstGeom prst="rect">
-            <a:avLst/>
-          </a:prstGeom>
-          <a:noFill/>
-          <a:ln>
-            <a:noFill/>
-          </a:ln>
-        </p:spPr>
-      </p:pic>
-      <p:sp>
-        <p:nvSpPr>
-          <p:cNvPr id="156" name="Shape 156"/>
           <p:cNvSpPr txBox="1"/>
           <p:nvPr/>
         </p:nvSpPr>
@@ -7656,12 +7628,12 @@
       </p:sp>
       <p:pic>
         <p:nvPicPr>
-          <p:cNvPr id="157" name="Shape 157"/>
+          <p:cNvPr id="156" name="Shape 156"/>
           <p:cNvPicPr preferRelativeResize="0"/>
           <p:nvPr/>
         </p:nvPicPr>
         <p:blipFill>
-          <a:blip r:embed="rId4">
+          <a:blip r:embed="rId3">
             <a:alphaModFix/>
           </a:blip>
           <a:stretch>
@@ -7671,6 +7643,34 @@
         <p:spPr>
           <a:xfrm rot="-5400000">
             <a:off x="1152187" y="3852688"/>
+            <a:ext cx="304176" cy="2042849"/>
+          </a:xfrm>
+          <a:prstGeom prst="rect">
+            <a:avLst/>
+          </a:prstGeom>
+          <a:noFill/>
+          <a:ln>
+            <a:noFill/>
+          </a:ln>
+        </p:spPr>
+      </p:pic>
+      <p:pic>
+        <p:nvPicPr>
+          <p:cNvPr id="157" name="Shape 157"/>
+          <p:cNvPicPr preferRelativeResize="0"/>
+          <p:nvPr/>
+        </p:nvPicPr>
+        <p:blipFill>
+          <a:blip r:embed="rId3">
+            <a:alphaModFix/>
+          </a:blip>
+          <a:stretch>
+            <a:fillRect/>
+          </a:stretch>
+        </p:blipFill>
+        <p:spPr>
+          <a:xfrm rot="-5400000">
+            <a:off x="3593637" y="3852688"/>
             <a:ext cx="304176" cy="2042849"/>
           </a:xfrm>
           <a:prstGeom prst="rect">
@@ -7689,7 +7689,7 @@
           <p:nvPr/>
         </p:nvPicPr>
         <p:blipFill>
-          <a:blip r:embed="rId4">
+          <a:blip r:embed="rId3">
             <a:alphaModFix/>
           </a:blip>
           <a:stretch>
@@ -7698,8 +7698,8 @@
         </p:blipFill>
         <p:spPr>
           <a:xfrm rot="-5400000">
-            <a:off x="3593637" y="3852688"/>
-            <a:ext cx="304176" cy="2042849"/>
+            <a:off x="6807462" y="3043699"/>
+            <a:ext cx="304176" cy="3660826"/>
           </a:xfrm>
           <a:prstGeom prst="rect">
             <a:avLst/>
@@ -7710,37 +7710,9 @@
           </a:ln>
         </p:spPr>
       </p:pic>
-      <p:pic>
-        <p:nvPicPr>
+      <p:sp>
+        <p:nvSpPr>
           <p:cNvPr id="159" name="Shape 159"/>
-          <p:cNvPicPr preferRelativeResize="0"/>
-          <p:nvPr/>
-        </p:nvPicPr>
-        <p:blipFill>
-          <a:blip r:embed="rId4">
-            <a:alphaModFix/>
-          </a:blip>
-          <a:stretch>
-            <a:fillRect/>
-          </a:stretch>
-        </p:blipFill>
-        <p:spPr>
-          <a:xfrm rot="-5400000">
-            <a:off x="6807462" y="3043699"/>
-            <a:ext cx="304176" cy="3660826"/>
-          </a:xfrm>
-          <a:prstGeom prst="rect">
-            <a:avLst/>
-          </a:prstGeom>
-          <a:noFill/>
-          <a:ln>
-            <a:noFill/>
-          </a:ln>
-        </p:spPr>
-      </p:pic>
-      <p:sp>
-        <p:nvSpPr>
-          <p:cNvPr id="160" name="Shape 160"/>
           <p:cNvSpPr txBox="1"/>
           <p:nvPr/>
         </p:nvSpPr>
@@ -7792,7 +7764,7 @@
       </p:sp>
       <p:sp>
         <p:nvSpPr>
-          <p:cNvPr id="161" name="Shape 161"/>
+          <p:cNvPr id="160" name="Shape 160"/>
           <p:cNvSpPr txBox="1"/>
           <p:nvPr/>
         </p:nvSpPr>
@@ -7839,7 +7811,7 @@
       </p:sp>
       <p:sp>
         <p:nvSpPr>
-          <p:cNvPr id="162" name="Shape 162"/>
+          <p:cNvPr id="161" name="Shape 161"/>
           <p:cNvSpPr txBox="1"/>
           <p:nvPr/>
         </p:nvSpPr>
@@ -7884,6 +7856,34 @@
           </a:p>
         </p:txBody>
       </p:sp>
+      <p:pic>
+        <p:nvPicPr>
+          <p:cNvPr id="162" name="Shape 162"/>
+          <p:cNvPicPr preferRelativeResize="0"/>
+          <p:nvPr/>
+        </p:nvPicPr>
+        <p:blipFill>
+          <a:blip r:embed="rId4">
+            <a:alphaModFix/>
+          </a:blip>
+          <a:stretch>
+            <a:fillRect/>
+          </a:stretch>
+        </p:blipFill>
+        <p:spPr>
+          <a:xfrm>
+            <a:off x="152400" y="1500126"/>
+            <a:ext cx="8839202" cy="2739003"/>
+          </a:xfrm>
+          <a:prstGeom prst="rect">
+            <a:avLst/>
+          </a:prstGeom>
+          <a:noFill/>
+          <a:ln>
+            <a:noFill/>
+          </a:ln>
+        </p:spPr>
+      </p:pic>
     </p:spTree>
   </p:cSld>
   <p:clrMapOvr>
@@ -8075,7 +8075,7 @@
             </a:pPr>
             <a:r>
               <a:rPr lang="en" sz="1800"/>
-              <a:t>When both users (the owner of the item and the user that found it) are close, MatchMore’s API will trigger a notification for both devices</a:t>
+              <a:t>When both users (the owner of the item and the user that found it) are close, MatchMore’s API will trigger a notification in both devices</a:t>
             </a:r>
             <a:endParaRPr sz="1800"/>
           </a:p>
